--- a/chapters/3/chap3.pptx
+++ b/chapters/3/chap3.pptx
@@ -6845,7 +6845,15 @@
           <a:p>
             <a:r>
               <a:rPr kumimoji="1" lang="zh-CN" altLang="en-US" dirty="0" smtClean="0"/>
-              <a:t>高级界面开发技术</a:t>
+              <a:t>活动（</a:t>
+            </a:r>
+            <a:r>
+              <a:rPr kumimoji="1" lang="en-US" altLang="zh-CN" dirty="0" smtClean="0"/>
+              <a:t>Activity</a:t>
+            </a:r>
+            <a:r>
+              <a:rPr kumimoji="1" lang="zh-CN" altLang="en-US" dirty="0" smtClean="0"/>
+              <a:t>）</a:t>
             </a:r>
             <a:endParaRPr kumimoji="1" lang="zh-CN" altLang="en-US" dirty="0"/>
           </a:p>
@@ -7211,10 +7219,6 @@
               </a:rPr>
               <a:t>(String type) </a:t>
             </a:r>
-            <a:endParaRPr lang="en-US" altLang="zh-CN" sz="2000" dirty="0">
-              <a:latin typeface="Consolas"/>
-              <a:cs typeface="Consolas"/>
-            </a:endParaRPr>
           </a:p>
           <a:p>
             <a:pPr marL="0" indent="0">
@@ -7259,10 +7263,6 @@
               </a:rPr>
               <a:t>(Uri data, String type) </a:t>
             </a:r>
-            <a:endParaRPr lang="en-US" altLang="zh-CN" sz="2000" dirty="0">
-              <a:latin typeface="Consolas"/>
-              <a:cs typeface="Consolas"/>
-            </a:endParaRPr>
           </a:p>
           <a:p>
             <a:pPr marL="0" indent="0">
@@ -7573,10 +7573,6 @@
               </a:rPr>
               <a:t>() </a:t>
             </a:r>
-            <a:endParaRPr lang="en-US" altLang="zh-CN" sz="2000" dirty="0">
-              <a:latin typeface="Consolas"/>
-              <a:cs typeface="Consolas"/>
-            </a:endParaRPr>
           </a:p>
           <a:p>
             <a:pPr marL="0" indent="0">
@@ -7829,10 +7825,6 @@
               </a:rPr>
               <a:t>, </a:t>
             </a:r>
-            <a:endParaRPr lang="en-US" altLang="zh-CN" sz="2000" dirty="0">
-              <a:latin typeface="Consolas"/>
-              <a:cs typeface="Consolas"/>
-            </a:endParaRPr>
           </a:p>
           <a:p>
             <a:pPr marL="349250" lvl="1" indent="0">
@@ -8020,10 +8012,6 @@
               </a:rPr>
               <a:t>); </a:t>
             </a:r>
-            <a:endParaRPr lang="en-US" altLang="zh-CN" sz="2000" dirty="0">
-              <a:latin typeface="Consolas"/>
-              <a:cs typeface="Consolas"/>
-            </a:endParaRPr>
           </a:p>
           <a:p>
             <a:pPr marL="344487" lvl="1" indent="0">
@@ -8120,7 +8108,6 @@
               <a:rPr lang="en-US" altLang="zh-CN" dirty="0"/>
               <a:t>FLAG_ACTIVITY_NO_HISTORY </a:t>
             </a:r>
-            <a:endParaRPr lang="en-US" altLang="zh-CN" dirty="0"/>
           </a:p>
           <a:p>
             <a:pPr lvl="1"/>
@@ -8147,7 +8134,6 @@
               <a:rPr lang="en-US" altLang="zh-CN" dirty="0"/>
               <a:t>FLAG_DEBUG_LOG_RESOLUTION </a:t>
             </a:r>
-            <a:endParaRPr lang="en-US" altLang="zh-CN" dirty="0"/>
           </a:p>
           <a:p>
             <a:pPr lvl="1"/>
@@ -9635,10 +9621,6 @@
               </a:rPr>
               <a:t>.. </a:t>
             </a:r>
-            <a:endParaRPr lang="en-US" altLang="zh-CN" sz="2000" dirty="0">
-              <a:latin typeface="Consolas"/>
-              <a:cs typeface="Consolas"/>
-            </a:endParaRPr>
           </a:p>
           <a:p>
             <a:pPr marL="349250" lvl="1" indent="0">
@@ -9832,10 +9814,6 @@
               </a:rPr>
               <a:t>="string" </a:t>
             </a:r>
-            <a:endParaRPr lang="en-US" altLang="zh-CN" sz="2000" dirty="0">
-              <a:latin typeface="Consolas"/>
-              <a:cs typeface="Consolas"/>
-            </a:endParaRPr>
           </a:p>
           <a:p>
             <a:pPr marL="349250" lvl="1" indent="0">
@@ -9874,10 +9852,6 @@
               </a:rPr>
               <a:t>.. </a:t>
             </a:r>
-            <a:endParaRPr lang="en-US" altLang="zh-CN" sz="2000" dirty="0">
-              <a:latin typeface="Consolas"/>
-              <a:cs typeface="Consolas"/>
-            </a:endParaRPr>
           </a:p>
           <a:p>
             <a:pPr marL="0" indent="0">
@@ -9890,10 +9864,6 @@
               </a:rPr>
               <a:t>&lt;/intent-filter&gt; </a:t>
             </a:r>
-            <a:endParaRPr lang="en-US" altLang="zh-CN" sz="2000" dirty="0">
-              <a:latin typeface="Consolas"/>
-              <a:cs typeface="Consolas"/>
-            </a:endParaRPr>
           </a:p>
           <a:p>
             <a:pPr marL="0" indent="0">
@@ -10035,21 +10005,7 @@
                 <a:latin typeface="Consolas"/>
                 <a:cs typeface="Consolas"/>
               </a:rPr>
-              <a:t>=</a:t>
-            </a:r>
-            <a:r>
-              <a:rPr lang="en-US" altLang="zh-CN" sz="2400" dirty="0" smtClean="0">
-                <a:latin typeface="Consolas"/>
-                <a:cs typeface="Consolas"/>
-              </a:rPr>
-              <a:t>“</a:t>
-            </a:r>
-            <a:r>
-              <a:rPr lang="en-US" altLang="zh-CN" sz="2400" dirty="0" smtClean="0">
-                <a:latin typeface="Consolas"/>
-                <a:cs typeface="Consolas"/>
-              </a:rPr>
-              <a:t>geo” </a:t>
+              <a:t>=“geo” </a:t>
             </a:r>
             <a:r>
               <a:rPr lang="en-US" altLang="zh-CN" sz="2400" dirty="0">
@@ -10270,10 +10226,6 @@
               </a:rPr>
               <a:t>...</a:t>
             </a:r>
-            <a:endParaRPr lang="en-US" altLang="zh-CN" sz="2400" dirty="0" smtClean="0">
-              <a:latin typeface="Consolas"/>
-              <a:cs typeface="Consolas"/>
-            </a:endParaRPr>
           </a:p>
           <a:p>
             <a:pPr marL="0" indent="0">
@@ -12986,7 +12938,6 @@
               <a:rPr lang="en-US" altLang="zh-CN" dirty="0"/>
               <a:t> </a:t>
             </a:r>
-            <a:endParaRPr lang="en-US" altLang="zh-CN" dirty="0"/>
           </a:p>
           <a:p>
             <a:pPr marL="0" indent="0">
@@ -13094,10 +13045,6 @@
               </a:rPr>
               <a:t>:+15555555555")); </a:t>
             </a:r>
-            <a:endParaRPr lang="en-US" altLang="zh-CN" sz="2000" dirty="0">
-              <a:latin typeface="Consolas"/>
-              <a:cs typeface="Consolas"/>
-            </a:endParaRPr>
           </a:p>
           <a:p>
             <a:pPr marL="0" indent="0">
